--- a/Documents/semi - mockup final .pptx
+++ b/Documents/semi - mockup final .pptx
@@ -7607,6 +7607,58 @@
           </a:fontRef>
         </p:style>
       </p:cxnSp>
+      <p:sp>
+        <p:nvSpPr>
+          <p:cNvPr id="10" name="Rectangle 9">
+            <a:hlinkClick r:id="rId10" action="ppaction://hlinksldjump"/>
+            <a:extLst>
+              <a:ext uri="{FF2B5EF4-FFF2-40B4-BE49-F238E27FC236}">
+                <a16:creationId xmlns:a16="http://schemas.microsoft.com/office/drawing/2014/main" id="{9F62BD06-3616-48B6-BB29-CA184D8EBC7F}"/>
+              </a:ext>
+            </a:extLst>
+          </p:cNvPr>
+          <p:cNvSpPr/>
+          <p:nvPr/>
+        </p:nvSpPr>
+        <p:spPr>
+          <a:xfrm>
+            <a:off x="360216" y="16847277"/>
+            <a:ext cx="4904509" cy="1745661"/>
+          </a:xfrm>
+          <a:prstGeom prst="rect">
+            <a:avLst/>
+          </a:prstGeom>
+        </p:spPr>
+        <p:style>
+          <a:lnRef idx="2">
+            <a:schemeClr val="accent1">
+              <a:shade val="50000"/>
+            </a:schemeClr>
+          </a:lnRef>
+          <a:fillRef idx="1">
+            <a:schemeClr val="accent1"/>
+          </a:fillRef>
+          <a:effectRef idx="0">
+            <a:schemeClr val="accent1"/>
+          </a:effectRef>
+          <a:fontRef idx="minor">
+            <a:schemeClr val="lt1"/>
+          </a:fontRef>
+        </p:style>
+        <p:txBody>
+          <a:bodyPr rtlCol="0" anchor="ctr"/>
+          <a:lstStyle/>
+          <a:p>
+            <a:pPr algn="ctr"/>
+            <a:r>
+              <a:rPr lang="en-US" sz="5400" b="1" dirty="0">
+                <a:latin typeface="Agency FB" panose="020B0503020202020204" pitchFamily="34" charset="0"/>
+              </a:rPr>
+              <a:t>BUY TICKETS</a:t>
+            </a:r>
+          </a:p>
+        </p:txBody>
+      </p:sp>
     </p:spTree>
     <p:extLst>
       <p:ext uri="{BB962C8B-B14F-4D97-AF65-F5344CB8AC3E}">
@@ -30274,58 +30326,6 @@
           </a:fontRef>
         </p:style>
       </p:cxnSp>
-      <p:sp>
-        <p:nvSpPr>
-          <p:cNvPr id="3" name="Rectangle 2">
-            <a:hlinkClick r:id="rId9" action="ppaction://hlinksldjump"/>
-            <a:extLst>
-              <a:ext uri="{FF2B5EF4-FFF2-40B4-BE49-F238E27FC236}">
-                <a16:creationId xmlns:a16="http://schemas.microsoft.com/office/drawing/2014/main" id="{FB2434AB-206F-4CEA-A411-7DA77677466E}"/>
-              </a:ext>
-            </a:extLst>
-          </p:cNvPr>
-          <p:cNvSpPr/>
-          <p:nvPr/>
-        </p:nvSpPr>
-        <p:spPr>
-          <a:xfrm>
-            <a:off x="249381" y="17332037"/>
-            <a:ext cx="4904509" cy="1745661"/>
-          </a:xfrm>
-          <a:prstGeom prst="rect">
-            <a:avLst/>
-          </a:prstGeom>
-        </p:spPr>
-        <p:style>
-          <a:lnRef idx="2">
-            <a:schemeClr val="accent1">
-              <a:shade val="50000"/>
-            </a:schemeClr>
-          </a:lnRef>
-          <a:fillRef idx="1">
-            <a:schemeClr val="accent1"/>
-          </a:fillRef>
-          <a:effectRef idx="0">
-            <a:schemeClr val="accent1"/>
-          </a:effectRef>
-          <a:fontRef idx="minor">
-            <a:schemeClr val="lt1"/>
-          </a:fontRef>
-        </p:style>
-        <p:txBody>
-          <a:bodyPr rtlCol="0" anchor="ctr"/>
-          <a:lstStyle/>
-          <a:p>
-            <a:pPr algn="ctr"/>
-            <a:r>
-              <a:rPr lang="en-US" sz="5400" b="1" dirty="0">
-                <a:latin typeface="Agency FB" panose="020B0503020202020204" pitchFamily="34" charset="0"/>
-              </a:rPr>
-              <a:t>BUY TICKETS</a:t>
-            </a:r>
-          </a:p>
-        </p:txBody>
-      </p:sp>
     </p:spTree>
     <p:extLst>
       <p:ext uri="{BB962C8B-B14F-4D97-AF65-F5344CB8AC3E}">
@@ -45227,15 +45227,6 @@
 </file>
 
 <file path=customXml/item2.xml><?xml version="1.0" encoding="utf-8"?>
-<?mso-contentType ?>
-<FormTemplates xmlns="http://schemas.microsoft.com/sharepoint/v3/contenttype/forms">
-  <Display>DocumentLibraryForm</Display>
-  <Edit>DocumentLibraryForm</Edit>
-  <New>DocumentLibraryForm</New>
-</FormTemplates>
-</file>
-
-<file path=customXml/item3.xml><?xml version="1.0" encoding="utf-8"?>
 <ct:contentTypeSchema xmlns:ct="http://schemas.microsoft.com/office/2006/metadata/contentType" xmlns:ma="http://schemas.microsoft.com/office/2006/metadata/properties/metaAttributes" ct:_="" ma:_="" ma:contentTypeName="Document" ma:contentTypeID="0x010100D403902765D5664494D0B013CB2DB08E" ma:contentTypeVersion="11" ma:contentTypeDescription="Create a new document." ma:contentTypeScope="" ma:versionID="5d9bc7581584e6e2174f9ae03a67327e">
   <xsd:schema xmlns:xsd="http://www.w3.org/2001/XMLSchema" xmlns:xs="http://www.w3.org/2001/XMLSchema" xmlns:p="http://schemas.microsoft.com/office/2006/metadata/properties" xmlns:ns3="fc79872e-d067-45ea-bc32-2adc79ecbd6f" xmlns:ns4="a61ad034-4b7f-4815-8204-ddb07bbfc587" targetNamespace="http://schemas.microsoft.com/office/2006/metadata/properties" ma:root="true" ma:fieldsID="8b1cfce955abb6d742e6ae4234485d1f" ns3:_="" ns4:_="">
     <xsd:import namespace="fc79872e-d067-45ea-bc32-2adc79ecbd6f"/>
@@ -45444,6 +45435,15 @@
 </ct:contentTypeSchema>
 </file>
 
+<file path=customXml/item3.xml><?xml version="1.0" encoding="utf-8"?>
+<?mso-contentType ?>
+<FormTemplates xmlns="http://schemas.microsoft.com/sharepoint/v3/contenttype/forms">
+  <Display>DocumentLibraryForm</Display>
+  <Edit>DocumentLibraryForm</Edit>
+  <New>DocumentLibraryForm</New>
+</FormTemplates>
+</file>
+
 <file path=customXml/itemProps1.xml><?xml version="1.0" encoding="utf-8"?>
 <ds:datastoreItem xmlns:ds="http://schemas.openxmlformats.org/officeDocument/2006/customXml" ds:itemID="{DC48C55A-8566-494A-B5A4-3D9466699614}">
   <ds:schemaRefs>
@@ -45462,14 +45462,6 @@
 </file>
 
 <file path=customXml/itemProps2.xml><?xml version="1.0" encoding="utf-8"?>
-<ds:datastoreItem xmlns:ds="http://schemas.openxmlformats.org/officeDocument/2006/customXml" ds:itemID="{8AA17998-449F-4F2C-AD81-9F1189B0FCE6}">
-  <ds:schemaRefs>
-    <ds:schemaRef ds:uri="http://schemas.microsoft.com/sharepoint/v3/contenttype/forms"/>
-  </ds:schemaRefs>
-</ds:datastoreItem>
-</file>
-
-<file path=customXml/itemProps3.xml><?xml version="1.0" encoding="utf-8"?>
 <ds:datastoreItem xmlns:ds="http://schemas.openxmlformats.org/officeDocument/2006/customXml" ds:itemID="{691CF683-8341-4F5E-9A19-A1D8CCAE4E26}">
   <ds:schemaRefs>
     <ds:schemaRef ds:uri="http://schemas.microsoft.com/office/2006/metadata/contentType"/>
@@ -45486,4 +45478,12 @@
     <ds:schemaRef ds:uri="http://schemas.microsoft.com/internal/obd"/>
   </ds:schemaRefs>
 </ds:datastoreItem>
+</file>
+
+<file path=customXml/itemProps3.xml><?xml version="1.0" encoding="utf-8"?>
+<ds:datastoreItem xmlns:ds="http://schemas.openxmlformats.org/officeDocument/2006/customXml" ds:itemID="{8AA17998-449F-4F2C-AD81-9F1189B0FCE6}">
+  <ds:schemaRefs>
+    <ds:schemaRef ds:uri="http://schemas.microsoft.com/sharepoint/v3/contenttype/forms"/>
+  </ds:schemaRefs>
+</ds:datastoreItem>
 </file>